--- a/ESS_May_2021/Wednesday_May_5th/5_Optim_tools,_variance_reduction,_MCPL/MCPL.pptx
+++ b/ESS_May_2021/Wednesday_May_5th/5_Optim_tools,_variance_reduction,_MCPL/MCPL.pptx
@@ -9016,7 +9016,26 @@
                 </a:solidFill>
                 <a:latin typeface="Gill Sans"/>
               </a:rPr>
-              <a:t>Let’s try it out</a:t>
+              <a:t>Let’s try it out (tasks are also on GitHub, see </a:t>
+            </a:r>
+            <a:r>
+              <a:rPr lang="" altLang="en-US" b="0" strike="noStrike" spc="-1" dirty="0">
+                <a:solidFill>
+                  <a:srgbClr val="000000"/>
+                </a:solidFill>
+                <a:latin typeface="Gill Sans"/>
+                <a:hlinkClick r:id="rId2"/>
+              </a:rPr>
+              <a:t>link also posted in chat</a:t>
+            </a:r>
+            <a:r>
+              <a:rPr lang="" altLang="en-US" b="0" strike="noStrike" spc="-1" dirty="0">
+                <a:solidFill>
+                  <a:srgbClr val="000000"/>
+                </a:solidFill>
+                <a:latin typeface="Gill Sans"/>
+              </a:rPr>
+              <a:t>)</a:t>
             </a:r>
           </a:p>
           <a:p>
